--- a/CalendarioAgo20/Presentaciones/10_MatricesC.pptx
+++ b/CalendarioAgo20/Presentaciones/10_MatricesC.pptx
@@ -232,7 +232,7 @@
           <a:p>
             <a:fld id="{9CE7A054-6D4F-4ED4-B3E7-62AC408CF793}" type="datetimeFigureOut">
               <a:rPr lang="es-MX" smtClean="0"/>
-              <a:t>28/04/2020</a:t>
+              <a:t>13/10/2020</a:t>
             </a:fld>
             <a:endParaRPr lang="es-MX"/>
           </a:p>
@@ -933,7 +933,7 @@
           <a:p>
             <a:fld id="{05B1B184-8162-40A9-BCCC-182276235E4C}" type="datetimeFigureOut">
               <a:rPr lang="es-MX" smtClean="0"/>
-              <a:t>28/04/2020</a:t>
+              <a:t>13/10/2020</a:t>
             </a:fld>
             <a:endParaRPr lang="es-MX"/>
           </a:p>
@@ -1103,7 +1103,7 @@
           <a:p>
             <a:fld id="{05B1B184-8162-40A9-BCCC-182276235E4C}" type="datetimeFigureOut">
               <a:rPr lang="es-MX" smtClean="0"/>
-              <a:t>28/04/2020</a:t>
+              <a:t>13/10/2020</a:t>
             </a:fld>
             <a:endParaRPr lang="es-MX"/>
           </a:p>
@@ -1283,7 +1283,7 @@
           <a:p>
             <a:fld id="{05B1B184-8162-40A9-BCCC-182276235E4C}" type="datetimeFigureOut">
               <a:rPr lang="es-MX" smtClean="0"/>
-              <a:t>28/04/2020</a:t>
+              <a:t>13/10/2020</a:t>
             </a:fld>
             <a:endParaRPr lang="es-MX"/>
           </a:p>
@@ -1681,7 +1681,7 @@
           <a:p>
             <a:fld id="{05B1B184-8162-40A9-BCCC-182276235E4C}" type="datetimeFigureOut">
               <a:rPr lang="es-MX" smtClean="0"/>
-              <a:t>28/04/2020</a:t>
+              <a:t>13/10/2020</a:t>
             </a:fld>
             <a:endParaRPr lang="es-MX"/>
           </a:p>
@@ -1927,7 +1927,7 @@
           <a:p>
             <a:fld id="{05B1B184-8162-40A9-BCCC-182276235E4C}" type="datetimeFigureOut">
               <a:rPr lang="es-MX" smtClean="0"/>
-              <a:t>28/04/2020</a:t>
+              <a:t>13/10/2020</a:t>
             </a:fld>
             <a:endParaRPr lang="es-MX"/>
           </a:p>
@@ -2215,7 +2215,7 @@
           <a:p>
             <a:fld id="{05B1B184-8162-40A9-BCCC-182276235E4C}" type="datetimeFigureOut">
               <a:rPr lang="es-MX" smtClean="0"/>
-              <a:t>28/04/2020</a:t>
+              <a:t>13/10/2020</a:t>
             </a:fld>
             <a:endParaRPr lang="es-MX"/>
           </a:p>
@@ -2637,7 +2637,7 @@
           <a:p>
             <a:fld id="{05B1B184-8162-40A9-BCCC-182276235E4C}" type="datetimeFigureOut">
               <a:rPr lang="es-MX" smtClean="0"/>
-              <a:t>28/04/2020</a:t>
+              <a:t>13/10/2020</a:t>
             </a:fld>
             <a:endParaRPr lang="es-MX"/>
           </a:p>
@@ -2755,7 +2755,7 @@
           <a:p>
             <a:fld id="{05B1B184-8162-40A9-BCCC-182276235E4C}" type="datetimeFigureOut">
               <a:rPr lang="es-MX" smtClean="0"/>
-              <a:t>28/04/2020</a:t>
+              <a:t>13/10/2020</a:t>
             </a:fld>
             <a:endParaRPr lang="es-MX"/>
           </a:p>
@@ -2850,7 +2850,7 @@
           <a:p>
             <a:fld id="{05B1B184-8162-40A9-BCCC-182276235E4C}" type="datetimeFigureOut">
               <a:rPr lang="es-MX" smtClean="0"/>
-              <a:t>28/04/2020</a:t>
+              <a:t>13/10/2020</a:t>
             </a:fld>
             <a:endParaRPr lang="es-MX"/>
           </a:p>
@@ -3127,7 +3127,7 @@
           <a:p>
             <a:fld id="{05B1B184-8162-40A9-BCCC-182276235E4C}" type="datetimeFigureOut">
               <a:rPr lang="es-MX" smtClean="0"/>
-              <a:t>28/04/2020</a:t>
+              <a:t>13/10/2020</a:t>
             </a:fld>
             <a:endParaRPr lang="es-MX"/>
           </a:p>
@@ -3380,7 +3380,7 @@
           <a:p>
             <a:fld id="{05B1B184-8162-40A9-BCCC-182276235E4C}" type="datetimeFigureOut">
               <a:rPr lang="es-MX" smtClean="0"/>
-              <a:t>28/04/2020</a:t>
+              <a:t>13/10/2020</a:t>
             </a:fld>
             <a:endParaRPr lang="es-MX"/>
           </a:p>
@@ -3593,7 +3593,7 @@
           <a:p>
             <a:fld id="{05B1B184-8162-40A9-BCCC-182276235E4C}" type="datetimeFigureOut">
               <a:rPr lang="es-MX" smtClean="0"/>
-              <a:t>28/04/2020</a:t>
+              <a:t>13/10/2020</a:t>
             </a:fld>
             <a:endParaRPr lang="es-MX"/>
           </a:p>
@@ -12529,7 +12529,7 @@
         </p:nvGrpSpPr>
         <p:grpSpPr bwMode="auto">
           <a:xfrm>
-            <a:off x="5221989" y="3552279"/>
+            <a:off x="3203848" y="3696295"/>
             <a:ext cx="2489200" cy="2613025"/>
             <a:chOff x="3520" y="2290"/>
             <a:chExt cx="1568" cy="1646"/>
@@ -14552,7 +14552,7 @@
         </p:nvSpPr>
         <p:spPr bwMode="auto">
           <a:xfrm>
-            <a:off x="5577589" y="4031704"/>
+            <a:off x="3559448" y="4175720"/>
             <a:ext cx="533400" cy="533400"/>
           </a:xfrm>
           <a:prstGeom prst="rect">
@@ -14612,7 +14612,7 @@
         </p:nvSpPr>
         <p:spPr bwMode="auto">
           <a:xfrm>
-            <a:off x="6110989" y="4565104"/>
+            <a:off x="4092848" y="4709120"/>
             <a:ext cx="533400" cy="533400"/>
           </a:xfrm>
           <a:prstGeom prst="rect">
@@ -14669,7 +14669,7 @@
         </p:nvSpPr>
         <p:spPr bwMode="auto">
           <a:xfrm>
-            <a:off x="7177789" y="5631904"/>
+            <a:off x="5159648" y="5775920"/>
             <a:ext cx="533400" cy="533400"/>
           </a:xfrm>
           <a:prstGeom prst="rect">
@@ -14726,7 +14726,7 @@
         </p:nvSpPr>
         <p:spPr bwMode="auto">
           <a:xfrm>
-            <a:off x="6644389" y="5098504"/>
+            <a:off x="4626248" y="5242520"/>
             <a:ext cx="533400" cy="533400"/>
           </a:xfrm>
           <a:prstGeom prst="rect">
@@ -14783,7 +14783,7 @@
         </p:nvSpPr>
         <p:spPr bwMode="auto">
           <a:xfrm>
-            <a:off x="7177789" y="4031704"/>
+            <a:off x="5159648" y="4175720"/>
             <a:ext cx="533400" cy="533400"/>
           </a:xfrm>
           <a:prstGeom prst="rect">
@@ -14843,7 +14843,7 @@
         </p:nvSpPr>
         <p:spPr bwMode="auto">
           <a:xfrm>
-            <a:off x="6644389" y="4565104"/>
+            <a:off x="4626248" y="4709120"/>
             <a:ext cx="533400" cy="533400"/>
           </a:xfrm>
           <a:prstGeom prst="rect">
@@ -14903,7 +14903,7 @@
         </p:nvSpPr>
         <p:spPr bwMode="auto">
           <a:xfrm>
-            <a:off x="6110989" y="5098504"/>
+            <a:off x="4092848" y="5242520"/>
             <a:ext cx="533400" cy="533400"/>
           </a:xfrm>
           <a:prstGeom prst="rect">
@@ -14963,7 +14963,7 @@
         </p:nvSpPr>
         <p:spPr bwMode="auto">
           <a:xfrm>
-            <a:off x="5577589" y="5631904"/>
+            <a:off x="3559448" y="5775920"/>
             <a:ext cx="533400" cy="533400"/>
           </a:xfrm>
           <a:prstGeom prst="rect">
@@ -15046,7 +15046,7 @@
             <a:r>
               <a:rPr lang="es-ES_tradnl" sz="4400" b="1" dirty="0">
                 <a:solidFill>
-                  <a:srgbClr val="D60093"/>
+                  <a:srgbClr val="0070C0"/>
                 </a:solidFill>
                 <a:effectLst>
                   <a:outerShdw blurRad="38100" dist="38100" dir="2700000" algn="tl">
@@ -15055,62 +15055,80 @@
                 </a:effectLst>
                 <a:latin typeface="Dom Casual" charset="0"/>
               </a:rPr>
-              <a:t>Actividad individual</a:t>
-            </a:r>
-          </a:p>
-          <a:p>
-            <a:pPr algn="ctr" eaLnBrk="0" hangingPunct="0"/>
-            <a:r>
-              <a:rPr lang="es-ES_tradnl" sz="2400" b="1" dirty="0">
-                <a:solidFill>
-                  <a:srgbClr val="0070C0"/>
-                </a:solidFill>
-                <a:effectLst>
-                  <a:outerShdw blurRad="38100" dist="38100" dir="2700000" algn="tl">
-                    <a:srgbClr val="C0C0C0"/>
-                  </a:outerShdw>
-                </a:effectLst>
-                <a:latin typeface="Dom Casual" charset="0"/>
-              </a:rPr>
-              <a:t>(3 minutos)</a:t>
-            </a:r>
+              <a:t>Actividad Grupal</a:t>
+            </a:r>
+            <a:endParaRPr lang="es-ES_tradnl" sz="2400" b="1" dirty="0">
+              <a:solidFill>
+                <a:srgbClr val="0070C0"/>
+              </a:solidFill>
+              <a:effectLst>
+                <a:outerShdw blurRad="38100" dist="38100" dir="2700000" algn="tl">
+                  <a:srgbClr val="C0C0C0"/>
+                </a:outerShdw>
+              </a:effectLst>
+              <a:latin typeface="Dom Casual" charset="0"/>
+            </a:endParaRPr>
           </a:p>
         </p:txBody>
       </p:sp>
       <p:pic>
         <p:nvPicPr>
-          <p:cNvPr id="38" name="Imagen 37" descr="Imagen que contiene dibujo&#10;&#10;Descripción generada automáticamente">
+          <p:cNvPr id="37" name="Picture 5">
             <a:extLst>
               <a:ext uri="{FF2B5EF4-FFF2-40B4-BE49-F238E27FC236}">
-                <a16:creationId xmlns:a16="http://schemas.microsoft.com/office/drawing/2014/main" id="{21678BBA-7DA4-4D4D-A7C9-E6EB7965E8C0}"/>
+                <a16:creationId xmlns:a16="http://schemas.microsoft.com/office/drawing/2014/main" id="{1C189A8D-9653-4ACE-95C8-39381A24B157}"/>
               </a:ext>
             </a:extLst>
           </p:cNvPr>
           <p:cNvPicPr>
-            <a:picLocks noChangeAspect="1"/>
+            <a:picLocks noChangeAspect="1" noChangeArrowheads="1"/>
           </p:cNvPicPr>
           <p:nvPr/>
         </p:nvPicPr>
         <p:blipFill>
-          <a:blip r:embed="rId2" cstate="print">
+          <a:blip r:embed="rId2">
             <a:extLst>
               <a:ext uri="{28A0092B-C50C-407E-A947-70E740481C1C}">
                 <a14:useLocalDpi xmlns:a14="http://schemas.microsoft.com/office/drawing/2010/main" val="0"/>
               </a:ext>
             </a:extLst>
           </a:blip>
+          <a:srcRect/>
           <a:stretch>
             <a:fillRect/>
           </a:stretch>
         </p:blipFill>
-        <p:spPr>
+        <p:spPr bwMode="auto">
           <a:xfrm>
-            <a:off x="1279111" y="3536640"/>
-            <a:ext cx="3123728" cy="3123728"/>
+            <a:off x="6804248" y="5242520"/>
+            <a:ext cx="2092022" cy="1386280"/>
           </a:xfrm>
           <a:prstGeom prst="rect">
             <a:avLst/>
           </a:prstGeom>
+          <a:noFill/>
+          <a:ln>
+            <a:noFill/>
+          </a:ln>
+          <a:extLst>
+            <a:ext uri="{909E8E84-426E-40DD-AFC4-6F175D3DCCD1}">
+              <a14:hiddenFill xmlns:a14="http://schemas.microsoft.com/office/drawing/2010/main">
+                <a:solidFill>
+                  <a:schemeClr val="accent1"/>
+                </a:solidFill>
+              </a14:hiddenFill>
+            </a:ext>
+            <a:ext uri="{91240B29-F687-4F45-9708-019B960494DF}">
+              <a14:hiddenLine xmlns:a14="http://schemas.microsoft.com/office/drawing/2010/main" w="9525">
+                <a:solidFill>
+                  <a:schemeClr val="tx1"/>
+                </a:solidFill>
+                <a:miter lim="800000"/>
+                <a:headEnd/>
+                <a:tailEnd/>
+              </a14:hiddenLine>
+            </a:ext>
+          </a:extLst>
         </p:spPr>
       </p:pic>
     </p:spTree>
